--- a/walmart.pptx
+++ b/walmart.pptx
@@ -5372,17 +5372,99 @@
               <a:rPr lang="en-IN" dirty="0"/>
             </a:br>
             <a:r>
-              <a:rPr lang="en-IN" dirty="0" err="1"/>
-              <a:t>Wallmart</a:t>
-            </a:r>
-            <a:r>
               <a:rPr lang="en-IN" dirty="0"/>
-              <a:t> case study</a:t>
+              <a:t>Walmart case study</a:t>
+            </a:r>
+            <a:br>
+              <a:rPr lang="en-IN" dirty="0"/>
+            </a:br>
+            <a:r>
+              <a:rPr lang="en-IN" dirty="0"/>
+              <a:t>(sales forecast)</a:t>
             </a:r>
             <a:br>
               <a:rPr lang="en-IN" dirty="0"/>
             </a:br>
             <a:endParaRPr lang="en-IN" dirty="0"/>
+          </a:p>
+        </p:txBody>
+      </p:sp>
+      <p:sp>
+        <p:nvSpPr>
+          <p:cNvPr id="3" name="TextBox 2">
+            <a:extLst>
+              <a:ext uri="{FF2B5EF4-FFF2-40B4-BE49-F238E27FC236}">
+                <a16:creationId xmlns:a16="http://schemas.microsoft.com/office/drawing/2014/main" id="{5D435821-6FC1-47C8-A2B9-4B842F3B8213}"/>
+              </a:ext>
+            </a:extLst>
+          </p:cNvPr>
+          <p:cNvSpPr txBox="1"/>
+          <p:nvPr/>
+        </p:nvSpPr>
+        <p:spPr>
+          <a:xfrm flipH="1">
+            <a:off x="8657058" y="4678532"/>
+            <a:ext cx="3239019" cy="1754326"/>
+          </a:xfrm>
+          <a:prstGeom prst="rect">
+            <a:avLst/>
+          </a:prstGeom>
+          <a:noFill/>
+        </p:spPr>
+        <p:txBody>
+          <a:bodyPr wrap="square" rtlCol="0">
+            <a:spAutoFit/>
+          </a:bodyPr>
+          <a:lstStyle/>
+          <a:p>
+            <a:r>
+              <a:rPr lang="en-IN" dirty="0"/>
+              <a:t>Team</a:t>
+            </a:r>
+            <a:r>
+              <a:rPr lang="en-IN"/>
+              <a:t>_7</a:t>
+            </a:r>
+          </a:p>
+          <a:p>
+            <a:endParaRPr lang="en-IN" dirty="0"/>
+          </a:p>
+          <a:p>
+            <a:r>
+              <a:rPr lang="en-IN" dirty="0" err="1"/>
+              <a:t>Prithviraj</a:t>
+            </a:r>
+            <a:r>
+              <a:rPr lang="en-IN" dirty="0"/>
+              <a:t> Decca</a:t>
+            </a:r>
+          </a:p>
+          <a:p>
+            <a:r>
+              <a:rPr lang="en-IN" dirty="0"/>
+              <a:t>Kavi Santosh Kumar</a:t>
+            </a:r>
+          </a:p>
+          <a:p>
+            <a:r>
+              <a:rPr lang="en-IN" dirty="0"/>
+              <a:t>Ashish </a:t>
+            </a:r>
+            <a:r>
+              <a:rPr lang="en-IN" dirty="0" err="1"/>
+              <a:t>Subudhi</a:t>
+            </a:r>
+            <a:endParaRPr lang="en-IN" dirty="0"/>
+          </a:p>
+          <a:p>
+            <a:r>
+              <a:rPr lang="en-IN" dirty="0" err="1"/>
+              <a:t>Harihara</a:t>
+            </a:r>
+            <a:r>
+              <a:rPr lang="en-IN" dirty="0"/>
+              <a:t> Sai Varanasi</a:t>
+            </a:r>
           </a:p>
         </p:txBody>
       </p:sp>
